--- a/colores.pptx
+++ b/colores.pptx
@@ -104,6 +104,11 @@
       </a:defRPr>
     </a:lvl9pPr>
   </p:defaultTextStyle>
+  <p:extLst>
+    <p:ext uri="{EFAFB233-063F-42B5-8137-9DF3F51BA10A}">
+      <p15:sldGuideLst xmlns:p15="http://schemas.microsoft.com/office/powerpoint/2012/main"/>
+    </p:ext>
+  </p:extLst>
 </p:presentation>
 </file>
 
@@ -256,7 +261,7 @@
           <a:p>
             <a:fld id="{F0652FB4-860B-45B9-ABFE-78BB1403B2B8}" type="datetimeFigureOut">
               <a:rPr lang="es-PE" smtClean="0"/>
-              <a:t>2023-03-02</a:t>
+              <a:t>10/03/2023</a:t>
             </a:fld>
             <a:endParaRPr lang="es-PE"/>
           </a:p>
@@ -456,7 +461,7 @@
           <a:p>
             <a:fld id="{F0652FB4-860B-45B9-ABFE-78BB1403B2B8}" type="datetimeFigureOut">
               <a:rPr lang="es-PE" smtClean="0"/>
-              <a:t>2023-03-02</a:t>
+              <a:t>10/03/2023</a:t>
             </a:fld>
             <a:endParaRPr lang="es-PE"/>
           </a:p>
@@ -666,7 +671,7 @@
           <a:p>
             <a:fld id="{F0652FB4-860B-45B9-ABFE-78BB1403B2B8}" type="datetimeFigureOut">
               <a:rPr lang="es-PE" smtClean="0"/>
-              <a:t>2023-03-02</a:t>
+              <a:t>10/03/2023</a:t>
             </a:fld>
             <a:endParaRPr lang="es-PE"/>
           </a:p>
@@ -866,7 +871,7 @@
           <a:p>
             <a:fld id="{F0652FB4-860B-45B9-ABFE-78BB1403B2B8}" type="datetimeFigureOut">
               <a:rPr lang="es-PE" smtClean="0"/>
-              <a:t>2023-03-02</a:t>
+              <a:t>10/03/2023</a:t>
             </a:fld>
             <a:endParaRPr lang="es-PE"/>
           </a:p>
@@ -1142,7 +1147,7 @@
           <a:p>
             <a:fld id="{F0652FB4-860B-45B9-ABFE-78BB1403B2B8}" type="datetimeFigureOut">
               <a:rPr lang="es-PE" smtClean="0"/>
-              <a:t>2023-03-02</a:t>
+              <a:t>10/03/2023</a:t>
             </a:fld>
             <a:endParaRPr lang="es-PE"/>
           </a:p>
@@ -1410,7 +1415,7 @@
           <a:p>
             <a:fld id="{F0652FB4-860B-45B9-ABFE-78BB1403B2B8}" type="datetimeFigureOut">
               <a:rPr lang="es-PE" smtClean="0"/>
-              <a:t>2023-03-02</a:t>
+              <a:t>10/03/2023</a:t>
             </a:fld>
             <a:endParaRPr lang="es-PE"/>
           </a:p>
@@ -1825,7 +1830,7 @@
           <a:p>
             <a:fld id="{F0652FB4-860B-45B9-ABFE-78BB1403B2B8}" type="datetimeFigureOut">
               <a:rPr lang="es-PE" smtClean="0"/>
-              <a:t>2023-03-02</a:t>
+              <a:t>10/03/2023</a:t>
             </a:fld>
             <a:endParaRPr lang="es-PE"/>
           </a:p>
@@ -1967,7 +1972,7 @@
           <a:p>
             <a:fld id="{F0652FB4-860B-45B9-ABFE-78BB1403B2B8}" type="datetimeFigureOut">
               <a:rPr lang="es-PE" smtClean="0"/>
-              <a:t>2023-03-02</a:t>
+              <a:t>10/03/2023</a:t>
             </a:fld>
             <a:endParaRPr lang="es-PE"/>
           </a:p>
@@ -2080,7 +2085,7 @@
           <a:p>
             <a:fld id="{F0652FB4-860B-45B9-ABFE-78BB1403B2B8}" type="datetimeFigureOut">
               <a:rPr lang="es-PE" smtClean="0"/>
-              <a:t>2023-03-02</a:t>
+              <a:t>10/03/2023</a:t>
             </a:fld>
             <a:endParaRPr lang="es-PE"/>
           </a:p>
@@ -2393,7 +2398,7 @@
           <a:p>
             <a:fld id="{F0652FB4-860B-45B9-ABFE-78BB1403B2B8}" type="datetimeFigureOut">
               <a:rPr lang="es-PE" smtClean="0"/>
-              <a:t>2023-03-02</a:t>
+              <a:t>10/03/2023</a:t>
             </a:fld>
             <a:endParaRPr lang="es-PE"/>
           </a:p>
@@ -2682,7 +2687,7 @@
           <a:p>
             <a:fld id="{F0652FB4-860B-45B9-ABFE-78BB1403B2B8}" type="datetimeFigureOut">
               <a:rPr lang="es-PE" smtClean="0"/>
-              <a:t>2023-03-02</a:t>
+              <a:t>10/03/2023</a:t>
             </a:fld>
             <a:endParaRPr lang="es-PE"/>
           </a:p>
@@ -2925,7 +2930,7 @@
           <a:p>
             <a:fld id="{F0652FB4-860B-45B9-ABFE-78BB1403B2B8}" type="datetimeFigureOut">
               <a:rPr lang="es-PE" smtClean="0"/>
-              <a:t>2023-03-02</a:t>
+              <a:t>10/03/2023</a:t>
             </a:fld>
             <a:endParaRPr lang="es-PE"/>
           </a:p>
@@ -3402,12 +3407,42 @@
           </a:prstGeom>
         </p:spPr>
       </p:pic>
-      <p:sp>
-        <p:nvSpPr>
-          <p:cNvPr id="6" name="Rectángulo 5">
-            <a:extLst>
-              <a:ext uri="{FF2B5EF4-FFF2-40B4-BE49-F238E27FC236}">
-                <a16:creationId xmlns:a16="http://schemas.microsoft.com/office/drawing/2014/main" id="{59736548-85DF-021F-796F-9C99C41C45BD}"/>
+      <p:pic>
+        <p:nvPicPr>
+          <p:cNvPr id="4" name="Imagen 3">
+            <a:extLst>
+              <a:ext uri="{FF2B5EF4-FFF2-40B4-BE49-F238E27FC236}">
+                <a16:creationId xmlns:a16="http://schemas.microsoft.com/office/drawing/2014/main" id="{CB7F4ACD-EAC1-8F56-16F9-A5F95DB41CD5}"/>
+              </a:ext>
+            </a:extLst>
+          </p:cNvPr>
+          <p:cNvPicPr>
+            <a:picLocks noChangeAspect="1"/>
+          </p:cNvPicPr>
+          <p:nvPr/>
+        </p:nvPicPr>
+        <p:blipFill>
+          <a:blip r:embed="rId3"/>
+          <a:stretch>
+            <a:fillRect/>
+          </a:stretch>
+        </p:blipFill>
+        <p:spPr>
+          <a:xfrm>
+            <a:off x="4638675" y="2281237"/>
+            <a:ext cx="2914650" cy="2295525"/>
+          </a:xfrm>
+          <a:prstGeom prst="rect">
+            <a:avLst/>
+          </a:prstGeom>
+        </p:spPr>
+      </p:pic>
+      <p:sp>
+        <p:nvSpPr>
+          <p:cNvPr id="7" name="Rectángulo 6">
+            <a:extLst>
+              <a:ext uri="{FF2B5EF4-FFF2-40B4-BE49-F238E27FC236}">
+                <a16:creationId xmlns:a16="http://schemas.microsoft.com/office/drawing/2014/main" id="{C117C5AD-F76D-82DF-1218-144476BD7A4A}"/>
               </a:ext>
             </a:extLst>
           </p:cNvPr>
@@ -3416,14 +3451,14 @@
         </p:nvSpPr>
         <p:spPr>
           <a:xfrm>
-            <a:off x="6306532" y="1439863"/>
-            <a:ext cx="1602557" cy="775436"/>
+            <a:off x="6096000" y="698500"/>
+            <a:ext cx="1168400" cy="596900"/>
           </a:xfrm>
           <a:prstGeom prst="rect">
             <a:avLst/>
           </a:prstGeom>
           <a:solidFill>
-            <a:srgbClr val="666666"/>
+            <a:srgbClr val="0A1312"/>
           </a:solidFill>
         </p:spPr>
         <p:style>
@@ -3447,7 +3482,7 @@
           <a:lstStyle/>
           <a:p>
             <a:pPr algn="ctr"/>
-            <a:endParaRPr lang="es-PE" dirty="0"/>
+            <a:endParaRPr lang="es-PE" u="sng" dirty="0"/>
           </a:p>
         </p:txBody>
       </p:sp>
